--- a/LOL.pptx
+++ b/LOL.pptx
@@ -7,7 +7,7 @@
   </p:sldMasterIdLst>
   <p:sldIdLst>
     <p:sldId id="265" r:id="rId3"/>
-    <p:sldId id="257" r:id="rId4"/>
+    <p:sldId id="270" r:id="rId4"/>
     <p:sldId id="258" r:id="rId5"/>
     <p:sldId id="267" r:id="rId6"/>
     <p:sldId id="269" r:id="rId7"/>
@@ -4858,10 +4858,10 @@
           <p:cNvPr id="9" name="Rectangle 8">
             <a:extLst>
               <a:ext uri="{FF2B5EF4-FFF2-40B4-BE49-F238E27FC236}">
-                <a16:creationId xmlns:a16="http://schemas.microsoft.com/office/drawing/2014/main" xmlns="" id="{8555C5B3-193A-4749-9AFD-682E53CDDE8F}"/>
+                <a16:creationId xmlns="" xmlns:a16="http://schemas.microsoft.com/office/drawing/2014/main" id="{8555C5B3-193A-4749-9AFD-682E53CDDE8F}"/>
               </a:ext>
               <a:ext uri="{C183D7F6-B498-43B3-948B-1728B52AA6E4}">
-                <adec:decorative xmlns:adec="http://schemas.microsoft.com/office/drawing/2017/decorative" xmlns="" val="1"/>
+                <adec:decorative xmlns="" xmlns:adec="http://schemas.microsoft.com/office/drawing/2017/decorative" val="1"/>
               </a:ext>
             </a:extLst>
           </p:cNvPr>
@@ -4871,7 +4871,7 @@
           <p:nvPr>
             <p:extLst>
               <p:ext uri="{386F3935-93C4-4BCD-93E2-E3B085C9AB24}">
-                <p16:designElem xmlns:p16="http://schemas.microsoft.com/office/powerpoint/2015/main" xmlns="" val="1"/>
+                <p16:designElem xmlns="" xmlns:p16="http://schemas.microsoft.com/office/powerpoint/2015/main" val="1"/>
               </p:ext>
             </p:extLst>
           </p:nvPr>
@@ -4892,7 +4892,7 @@
           <a:effectLst/>
           <a:extLst>
             <a:ext uri="{91240B29-F687-4F45-9708-019B960494DF}">
-              <a14:hiddenLine xmlns:a14="http://schemas.microsoft.com/office/drawing/2010/main" xmlns="" w="12700" cap="flat" cmpd="sng" algn="ctr">
+              <a14:hiddenLine xmlns="" xmlns:a14="http://schemas.microsoft.com/office/drawing/2010/main" w="12700" cap="flat" cmpd="sng" algn="ctr">
                 <a:solidFill>
                   <a:schemeClr val="accent1">
                     <a:shade val="50000"/>
@@ -4934,10 +4934,10 @@
           <p:cNvPr id="11" name="Rectangle 10">
             <a:extLst>
               <a:ext uri="{FF2B5EF4-FFF2-40B4-BE49-F238E27FC236}">
-                <a16:creationId xmlns:a16="http://schemas.microsoft.com/office/drawing/2014/main" xmlns="" id="{2EAE06A6-F76A-41C9-827A-C561B004485C}"/>
+                <a16:creationId xmlns="" xmlns:a16="http://schemas.microsoft.com/office/drawing/2014/main" id="{2EAE06A6-F76A-41C9-827A-C561B004485C}"/>
               </a:ext>
               <a:ext uri="{C183D7F6-B498-43B3-948B-1728B52AA6E4}">
-                <adec:decorative xmlns:adec="http://schemas.microsoft.com/office/drawing/2017/decorative" xmlns="" val="1"/>
+                <adec:decorative xmlns="" xmlns:adec="http://schemas.microsoft.com/office/drawing/2017/decorative" val="1"/>
               </a:ext>
             </a:extLst>
           </p:cNvPr>
@@ -4947,7 +4947,7 @@
           <p:nvPr>
             <p:extLst>
               <p:ext uri="{386F3935-93C4-4BCD-93E2-E3B085C9AB24}">
-                <p16:designElem xmlns:p16="http://schemas.microsoft.com/office/powerpoint/2015/main" xmlns="" val="1"/>
+                <p16:designElem xmlns="" xmlns:p16="http://schemas.microsoft.com/office/powerpoint/2015/main" val="1"/>
               </p:ext>
             </p:extLst>
           </p:nvPr>
@@ -5007,10 +5007,10 @@
           <p:cNvPr id="13" name="Rectangle 12">
             <a:extLst>
               <a:ext uri="{FF2B5EF4-FFF2-40B4-BE49-F238E27FC236}">
-                <a16:creationId xmlns:a16="http://schemas.microsoft.com/office/drawing/2014/main" xmlns="" id="{89F9D4E8-0639-444B-949B-9518585061AF}"/>
+                <a16:creationId xmlns="" xmlns:a16="http://schemas.microsoft.com/office/drawing/2014/main" id="{89F9D4E8-0639-444B-949B-9518585061AF}"/>
               </a:ext>
               <a:ext uri="{C183D7F6-B498-43B3-948B-1728B52AA6E4}">
-                <adec:decorative xmlns:adec="http://schemas.microsoft.com/office/drawing/2017/decorative" xmlns="" val="1"/>
+                <adec:decorative xmlns="" xmlns:adec="http://schemas.microsoft.com/office/drawing/2017/decorative" val="1"/>
               </a:ext>
             </a:extLst>
           </p:cNvPr>
@@ -5020,7 +5020,7 @@
           <p:nvPr>
             <p:extLst>
               <p:ext uri="{386F3935-93C4-4BCD-93E2-E3B085C9AB24}">
-                <p16:designElem xmlns:p16="http://schemas.microsoft.com/office/powerpoint/2015/main" xmlns="" val="1"/>
+                <p16:designElem xmlns="" xmlns:p16="http://schemas.microsoft.com/office/powerpoint/2015/main" val="1"/>
               </p:ext>
             </p:extLst>
           </p:nvPr>
@@ -5083,10 +5083,10 @@
           <p:cNvPr id="15" name="Rectangle 14">
             <a:extLst>
               <a:ext uri="{FF2B5EF4-FFF2-40B4-BE49-F238E27FC236}">
-                <a16:creationId xmlns:a16="http://schemas.microsoft.com/office/drawing/2014/main" xmlns="" id="{7E3DA7A2-ED70-4BBA-AB72-00AD461FA405}"/>
+                <a16:creationId xmlns="" xmlns:a16="http://schemas.microsoft.com/office/drawing/2014/main" id="{7E3DA7A2-ED70-4BBA-AB72-00AD461FA405}"/>
               </a:ext>
               <a:ext uri="{C183D7F6-B498-43B3-948B-1728B52AA6E4}">
-                <adec:decorative xmlns:adec="http://schemas.microsoft.com/office/drawing/2017/decorative" xmlns="" val="1"/>
+                <adec:decorative xmlns="" xmlns:adec="http://schemas.microsoft.com/office/drawing/2017/decorative" val="1"/>
               </a:ext>
             </a:extLst>
           </p:cNvPr>
@@ -5096,7 +5096,7 @@
           <p:nvPr>
             <p:extLst>
               <p:ext uri="{386F3935-93C4-4BCD-93E2-E3B085C9AB24}">
-                <p16:designElem xmlns:p16="http://schemas.microsoft.com/office/powerpoint/2015/main" xmlns="" val="1"/>
+                <p16:designElem xmlns="" xmlns:p16="http://schemas.microsoft.com/office/powerpoint/2015/main" val="1"/>
               </p:ext>
             </p:extLst>
           </p:nvPr>
@@ -5158,7 +5158,7 @@
           <p:cNvPr id="2" name="Title 1">
             <a:extLst>
               <a:ext uri="{FF2B5EF4-FFF2-40B4-BE49-F238E27FC236}">
-                <a16:creationId xmlns:a16="http://schemas.microsoft.com/office/drawing/2014/main" xmlns="" id="{18195C7D-99BE-219B-05F7-E568A6D63D52}"/>
+                <a16:creationId xmlns="" xmlns:a16="http://schemas.microsoft.com/office/drawing/2014/main" id="{18195C7D-99BE-219B-05F7-E568A6D63D52}"/>
               </a:ext>
             </a:extLst>
           </p:cNvPr>
@@ -5205,10 +5205,10 @@
           <p:cNvPr id="17" name="Rectangle 16">
             <a:extLst>
               <a:ext uri="{FF2B5EF4-FFF2-40B4-BE49-F238E27FC236}">
-                <a16:creationId xmlns:a16="http://schemas.microsoft.com/office/drawing/2014/main" xmlns="" id="{FC485432-3647-4218-B5D3-15D3FA222B13}"/>
+                <a16:creationId xmlns="" xmlns:a16="http://schemas.microsoft.com/office/drawing/2014/main" id="{FC485432-3647-4218-B5D3-15D3FA222B13}"/>
               </a:ext>
               <a:ext uri="{C183D7F6-B498-43B3-948B-1728B52AA6E4}">
-                <adec:decorative xmlns:adec="http://schemas.microsoft.com/office/drawing/2017/decorative" xmlns="" val="1"/>
+                <adec:decorative xmlns="" xmlns:adec="http://schemas.microsoft.com/office/drawing/2017/decorative" val="1"/>
               </a:ext>
             </a:extLst>
           </p:cNvPr>
@@ -5218,7 +5218,7 @@
           <p:nvPr>
             <p:extLst>
               <p:ext uri="{386F3935-93C4-4BCD-93E2-E3B085C9AB24}">
-                <p16:designElem xmlns:p16="http://schemas.microsoft.com/office/powerpoint/2015/main" xmlns="" val="1"/>
+                <p16:designElem xmlns="" xmlns:p16="http://schemas.microsoft.com/office/powerpoint/2015/main" val="1"/>
               </p:ext>
             </p:extLst>
           </p:nvPr>
@@ -5281,7 +5281,7 @@
           <p:cNvPr id="3" name="Subtitle 2">
             <a:extLst>
               <a:ext uri="{FF2B5EF4-FFF2-40B4-BE49-F238E27FC236}">
-                <a16:creationId xmlns:a16="http://schemas.microsoft.com/office/drawing/2014/main" xmlns="" id="{D06FF76F-FBE2-D3EC-3F08-B7D028E4E795}"/>
+                <a16:creationId xmlns="" xmlns:a16="http://schemas.microsoft.com/office/drawing/2014/main" id="{D06FF76F-FBE2-D3EC-3F08-B7D028E4E795}"/>
               </a:ext>
             </a:extLst>
           </p:cNvPr>
@@ -5381,10 +5381,10 @@
           <p:cNvPr id="19" name="Oval 18">
             <a:extLst>
               <a:ext uri="{FF2B5EF4-FFF2-40B4-BE49-F238E27FC236}">
-                <a16:creationId xmlns:a16="http://schemas.microsoft.com/office/drawing/2014/main" xmlns="" id="{F4AFDDCA-6ABA-4D23-8A5C-1BF0F4308148}"/>
+                <a16:creationId xmlns="" xmlns:a16="http://schemas.microsoft.com/office/drawing/2014/main" id="{F4AFDDCA-6ABA-4D23-8A5C-1BF0F4308148}"/>
               </a:ext>
               <a:ext uri="{C183D7F6-B498-43B3-948B-1728B52AA6E4}">
-                <adec:decorative xmlns:adec="http://schemas.microsoft.com/office/drawing/2017/decorative" xmlns="" val="1"/>
+                <adec:decorative xmlns="" xmlns:adec="http://schemas.microsoft.com/office/drawing/2017/decorative" val="1"/>
               </a:ext>
             </a:extLst>
           </p:cNvPr>
@@ -5394,7 +5394,7 @@
           <p:nvPr>
             <p:extLst>
               <p:ext uri="{386F3935-93C4-4BCD-93E2-E3B085C9AB24}">
-                <p16:designElem xmlns:p16="http://schemas.microsoft.com/office/powerpoint/2015/main" xmlns="" val="1"/>
+                <p16:designElem xmlns="" xmlns:p16="http://schemas.microsoft.com/office/powerpoint/2015/main" val="1"/>
               </p:ext>
             </p:extLst>
           </p:nvPr>
@@ -5444,7 +5444,7 @@
           <p:cNvPr id="4" name="Picture 3" descr="A close up of a logo&#10;&#10;Description automatically generated">
             <a:extLst>
               <a:ext uri="{FF2B5EF4-FFF2-40B4-BE49-F238E27FC236}">
-                <a16:creationId xmlns:a16="http://schemas.microsoft.com/office/drawing/2014/main" xmlns="" id="{C1C5BB56-6779-0275-7E11-F6A40D3CCA97}"/>
+                <a16:creationId xmlns="" xmlns:a16="http://schemas.microsoft.com/office/drawing/2014/main" id="{C1C5BB56-6779-0275-7E11-F6A40D3CCA97}"/>
               </a:ext>
             </a:extLst>
           </p:cNvPr>
@@ -5472,7 +5472,7 @@
     </p:spTree>
     <p:extLst>
       <p:ext uri="{BB962C8B-B14F-4D97-AF65-F5344CB8AC3E}">
-        <p14:creationId xmlns:p14="http://schemas.microsoft.com/office/powerpoint/2010/main" xmlns="" val="4096122107"/>
+        <p14:creationId xmlns="" xmlns:p14="http://schemas.microsoft.com/office/powerpoint/2010/main" val="4096122107"/>
       </p:ext>
     </p:extLst>
   </p:cSld>
@@ -5907,10 +5907,10 @@
           <p:cNvPr id="19" name="Rectangle 18">
             <a:extLst>
               <a:ext uri="{FF2B5EF4-FFF2-40B4-BE49-F238E27FC236}">
-                <a16:creationId xmlns:a16="http://schemas.microsoft.com/office/drawing/2014/main" xmlns="" id="{AB8C311F-7253-4AED-9701-7FC0708C41C7}"/>
+                <a16:creationId xmlns="" xmlns:a16="http://schemas.microsoft.com/office/drawing/2014/main" id="{AB8C311F-7253-4AED-9701-7FC0708C41C7}"/>
               </a:ext>
               <a:ext uri="{C183D7F6-B498-43B3-948B-1728B52AA6E4}">
-                <adec:decorative xmlns:adec="http://schemas.microsoft.com/office/drawing/2017/decorative" xmlns="" val="1"/>
+                <adec:decorative xmlns="" xmlns:adec="http://schemas.microsoft.com/office/drawing/2017/decorative" val="1"/>
               </a:ext>
             </a:extLst>
           </p:cNvPr>
@@ -5920,7 +5920,7 @@
           <p:nvPr>
             <p:extLst>
               <p:ext uri="{386F3935-93C4-4BCD-93E2-E3B085C9AB24}">
-                <p16:designElem xmlns:p16="http://schemas.microsoft.com/office/powerpoint/2015/main" xmlns="" val="1"/>
+                <p16:designElem xmlns="" xmlns:p16="http://schemas.microsoft.com/office/powerpoint/2015/main" val="1"/>
               </p:ext>
             </p:extLst>
           </p:nvPr>
@@ -5941,7 +5941,7 @@
           <a:effectLst/>
           <a:extLst>
             <a:ext uri="{91240B29-F687-4F45-9708-019B960494DF}">
-              <a14:hiddenLine xmlns:a14="http://schemas.microsoft.com/office/drawing/2010/main" xmlns="" w="12700" cap="flat" cmpd="sng" algn="ctr">
+              <a14:hiddenLine xmlns="" xmlns:a14="http://schemas.microsoft.com/office/drawing/2010/main" w="12700" cap="flat" cmpd="sng" algn="ctr">
                 <a:solidFill>
                   <a:schemeClr val="accent1">
                     <a:shade val="50000"/>
@@ -5983,10 +5983,10 @@
           <p:cNvPr id="18" name="Rectangle 17">
             <a:extLst>
               <a:ext uri="{FF2B5EF4-FFF2-40B4-BE49-F238E27FC236}">
-                <a16:creationId xmlns:a16="http://schemas.microsoft.com/office/drawing/2014/main" xmlns="" id="{E2384209-CB15-4CDF-9D31-C44FD9A3F20D}"/>
+                <a16:creationId xmlns="" xmlns:a16="http://schemas.microsoft.com/office/drawing/2014/main" id="{E2384209-CB15-4CDF-9D31-C44FD9A3F20D}"/>
               </a:ext>
               <a:ext uri="{C183D7F6-B498-43B3-948B-1728B52AA6E4}">
-                <adec:decorative xmlns:adec="http://schemas.microsoft.com/office/drawing/2017/decorative" xmlns="" val="1"/>
+                <adec:decorative xmlns="" xmlns:adec="http://schemas.microsoft.com/office/drawing/2017/decorative" val="1"/>
               </a:ext>
             </a:extLst>
           </p:cNvPr>
@@ -5996,7 +5996,7 @@
           <p:nvPr>
             <p:extLst>
               <p:ext uri="{386F3935-93C4-4BCD-93E2-E3B085C9AB24}">
-                <p16:designElem xmlns:p16="http://schemas.microsoft.com/office/powerpoint/2015/main" xmlns="" val="1"/>
+                <p16:designElem xmlns="" xmlns:p16="http://schemas.microsoft.com/office/powerpoint/2015/main" val="1"/>
               </p:ext>
             </p:extLst>
           </p:nvPr>
@@ -6056,10 +6056,10 @@
           <p:cNvPr id="20" name="Rectangle 19">
             <a:extLst>
               <a:ext uri="{FF2B5EF4-FFF2-40B4-BE49-F238E27FC236}">
-                <a16:creationId xmlns:a16="http://schemas.microsoft.com/office/drawing/2014/main" xmlns="" id="{2633B3B5-CC90-43F0-8714-D31D1F3F0209}"/>
+                <a16:creationId xmlns="" xmlns:a16="http://schemas.microsoft.com/office/drawing/2014/main" id="{2633B3B5-CC90-43F0-8714-D31D1F3F0209}"/>
               </a:ext>
               <a:ext uri="{C183D7F6-B498-43B3-948B-1728B52AA6E4}">
-                <adec:decorative xmlns:adec="http://schemas.microsoft.com/office/drawing/2017/decorative" xmlns="" val="1"/>
+                <adec:decorative xmlns="" xmlns:adec="http://schemas.microsoft.com/office/drawing/2017/decorative" val="1"/>
               </a:ext>
             </a:extLst>
           </p:cNvPr>
@@ -6069,7 +6069,7 @@
           <p:nvPr>
             <p:extLst>
               <p:ext uri="{386F3935-93C4-4BCD-93E2-E3B085C9AB24}">
-                <p16:designElem xmlns:p16="http://schemas.microsoft.com/office/powerpoint/2015/main" xmlns="" val="1"/>
+                <p16:designElem xmlns="" xmlns:p16="http://schemas.microsoft.com/office/powerpoint/2015/main" val="1"/>
               </p:ext>
             </p:extLst>
           </p:nvPr>
@@ -6129,10 +6129,10 @@
           <p:cNvPr id="22" name="Rectangle 21">
             <a:extLst>
               <a:ext uri="{FF2B5EF4-FFF2-40B4-BE49-F238E27FC236}">
-                <a16:creationId xmlns:a16="http://schemas.microsoft.com/office/drawing/2014/main" xmlns="" id="{A8D57A06-A426-446D-B02C-A2DC6B62E45E}"/>
+                <a16:creationId xmlns="" xmlns:a16="http://schemas.microsoft.com/office/drawing/2014/main" id="{A8D57A06-A426-446D-B02C-A2DC6B62E45E}"/>
               </a:ext>
               <a:ext uri="{C183D7F6-B498-43B3-948B-1728B52AA6E4}">
-                <adec:decorative xmlns:adec="http://schemas.microsoft.com/office/drawing/2017/decorative" xmlns="" val="1"/>
+                <adec:decorative xmlns="" xmlns:adec="http://schemas.microsoft.com/office/drawing/2017/decorative" val="1"/>
               </a:ext>
             </a:extLst>
           </p:cNvPr>
@@ -6142,7 +6142,7 @@
           <p:nvPr>
             <p:extLst>
               <p:ext uri="{386F3935-93C4-4BCD-93E2-E3B085C9AB24}">
-                <p16:designElem xmlns:p16="http://schemas.microsoft.com/office/powerpoint/2015/main" xmlns="" val="1"/>
+                <p16:designElem xmlns="" xmlns:p16="http://schemas.microsoft.com/office/powerpoint/2015/main" val="1"/>
               </p:ext>
             </p:extLst>
           </p:nvPr>
@@ -6206,7 +6206,7 @@
           <p:cNvPr id="4" name="Picture 3" descr="How does MQTT work in IoT projects">
             <a:extLst>
               <a:ext uri="{FF2B5EF4-FFF2-40B4-BE49-F238E27FC236}">
-                <a16:creationId xmlns:a16="http://schemas.microsoft.com/office/drawing/2014/main" xmlns="" id="{A563B689-B9FC-70A0-C786-6F9FA314E7F2}"/>
+                <a16:creationId xmlns="" xmlns:a16="http://schemas.microsoft.com/office/drawing/2014/main" id="{A563B689-B9FC-70A0-C786-6F9FA314E7F2}"/>
               </a:ext>
             </a:extLst>
           </p:cNvPr>
@@ -6233,7 +6233,7 @@
     </p:spTree>
     <p:extLst>
       <p:ext uri="{BB962C8B-B14F-4D97-AF65-F5344CB8AC3E}">
-        <p14:creationId xmlns:p14="http://schemas.microsoft.com/office/powerpoint/2010/main" xmlns="" val="2849422397"/>
+        <p14:creationId xmlns="" xmlns:p14="http://schemas.microsoft.com/office/powerpoint/2010/main" val="2849422397"/>
       </p:ext>
     </p:extLst>
   </p:cSld>
@@ -6718,14 +6718,6 @@
 <file path=ppt/slides/slide2.xml><?xml version="1.0" encoding="utf-8"?>
 <p:sld xmlns:a="http://schemas.openxmlformats.org/drawingml/2006/main" xmlns:r="http://schemas.openxmlformats.org/officeDocument/2006/relationships" xmlns:p="http://schemas.openxmlformats.org/presentationml/2006/main">
   <p:cSld>
-    <p:bg>
-      <p:bgPr>
-        <a:solidFill>
-          <a:schemeClr val="bg1"/>
-        </a:solidFill>
-        <a:effectLst/>
-      </p:bgPr>
-    </p:bg>
     <p:spTree>
       <p:nvGrpSpPr>
         <p:cNvPr id="1" name=""/>
@@ -7218,7 +7210,7 @@
               <a:buChar char="•"/>
             </a:pPr>
             <a:r>
-              <a:rPr lang="en-US" sz="2000" kern="1200" spc="-1" err="1">
+              <a:rPr lang="en-US" sz="2000" kern="1200" spc="-1" dirty="0" err="1">
                 <a:solidFill>
                   <a:srgbClr val="000000"/>
                 </a:solidFill>
@@ -7240,7 +7232,7 @@
               <a:t> </a:t>
             </a:r>
             <a:r>
-              <a:rPr lang="en-US" sz="2000" kern="1200" spc="-1" err="1">
+              <a:rPr lang="en-US" sz="2000" kern="1200" spc="-1" dirty="0" err="1">
                 <a:solidFill>
                   <a:srgbClr val="000000"/>
                 </a:solidFill>
@@ -7262,7 +7254,7 @@
               <a:t> </a:t>
             </a:r>
             <a:r>
-              <a:rPr lang="en-US" sz="2000" kern="1200" spc="-1" err="1">
+              <a:rPr lang="en-US" sz="2000" kern="1200" spc="-1" dirty="0" err="1">
                 <a:solidFill>
                   <a:srgbClr val="000000"/>
                 </a:solidFill>
@@ -7295,7 +7287,7 @@
               <a:t>ž</a:t>
             </a:r>
             <a:r>
-              <a:rPr lang="en-US" sz="2000" kern="1200" spc="-1" err="1">
+              <a:rPr lang="en-US" sz="2000" kern="1200" spc="-1" dirty="0" err="1">
                 <a:solidFill>
                   <a:srgbClr val="000000"/>
                 </a:solidFill>
@@ -7317,7 +7309,7 @@
               <a:t> </a:t>
             </a:r>
             <a:r>
-              <a:rPr lang="en-US" sz="2000" kern="1200" spc="-1" err="1">
+              <a:rPr lang="en-US" sz="2000" kern="1200" spc="-1" dirty="0" err="1">
                 <a:solidFill>
                   <a:srgbClr val="000000"/>
                 </a:solidFill>
@@ -7350,7 +7342,7 @@
               <a:t>proizvoda </a:t>
             </a:r>
             <a:r>
-              <a:rPr lang="en-US" sz="2000" kern="1200" spc="-1" err="1">
+              <a:rPr lang="en-US" sz="2000" kern="1200" spc="-1" dirty="0" err="1">
                 <a:solidFill>
                   <a:srgbClr val="000000"/>
                 </a:solidFill>
@@ -7372,7 +7364,7 @@
               <a:t> </a:t>
             </a:r>
             <a:r>
-              <a:rPr lang="en-US" sz="2000" kern="1200" spc="-1" err="1">
+              <a:rPr lang="en-US" sz="2000" kern="1200" spc="-1" dirty="0" err="1">
                 <a:solidFill>
                   <a:srgbClr val="000000"/>
                 </a:solidFill>
@@ -7394,7 +7386,7 @@
               <a:t> </a:t>
             </a:r>
             <a:r>
-              <a:rPr lang="en-US" sz="2000" kern="1200" spc="-1" err="1">
+              <a:rPr lang="en-US" sz="2000" kern="1200" spc="-1" dirty="0" err="1">
                 <a:solidFill>
                   <a:srgbClr val="000000"/>
                 </a:solidFill>
@@ -7416,7 +7408,7 @@
               <a:t> alarm </a:t>
             </a:r>
             <a:r>
-              <a:rPr lang="en-US" sz="2000" kern="1200" spc="-1" err="1">
+              <a:rPr lang="en-US" sz="2000" kern="1200" spc="-1" dirty="0" err="1">
                 <a:solidFill>
                   <a:srgbClr val="000000"/>
                 </a:solidFill>
@@ -7438,7 +7430,7 @@
               <a:t> </a:t>
             </a:r>
             <a:r>
-              <a:rPr lang="en-US" sz="2000" kern="1200" spc="-1" err="1">
+              <a:rPr lang="en-US" sz="2000" kern="1200" spc="-1" dirty="0" err="1">
                 <a:solidFill>
                   <a:srgbClr val="000000"/>
                 </a:solidFill>
@@ -7460,7 +7452,7 @@
               <a:t> </a:t>
             </a:r>
             <a:r>
-              <a:rPr lang="en-US" sz="2000" kern="1200" spc="-1" err="1">
+              <a:rPr lang="en-US" sz="2000" kern="1200" spc="-1" dirty="0" err="1">
                 <a:solidFill>
                   <a:srgbClr val="000000"/>
                 </a:solidFill>
@@ -7493,7 +7485,7 @@
               <a:t>ž</a:t>
             </a:r>
             <a:r>
-              <a:rPr lang="en-US" sz="2000" kern="1200" spc="-1" err="1">
+              <a:rPr lang="en-US" sz="2000" kern="1200" spc="-1" dirty="0" err="1">
                 <a:solidFill>
                   <a:srgbClr val="000000"/>
                 </a:solidFill>
@@ -7515,7 +7507,7 @@
               <a:t> </a:t>
             </a:r>
             <a:r>
-              <a:rPr lang="en-US" sz="2000" kern="1200" spc="-1" err="1">
+              <a:rPr lang="en-US" sz="2000" kern="1200" spc="-1" dirty="0" err="1">
                 <a:solidFill>
                   <a:srgbClr val="000000"/>
                 </a:solidFill>
@@ -7537,7 +7529,7 @@
               <a:t> </a:t>
             </a:r>
             <a:r>
-              <a:rPr lang="en-US" sz="2000" kern="1200" spc="-1" err="1">
+              <a:rPr lang="en-US" sz="2000" kern="1200" spc="-1" dirty="0" err="1">
                 <a:solidFill>
                   <a:srgbClr val="000000"/>
                 </a:solidFill>
@@ -7559,7 +7551,7 @@
               <a:t>. </a:t>
             </a:r>
             <a:r>
-              <a:rPr lang="en-US" sz="2000" kern="1200" spc="-1" err="1">
+              <a:rPr lang="en-US" sz="2000" kern="1200" spc="-1" dirty="0" err="1">
                 <a:solidFill>
                   <a:srgbClr val="000000"/>
                 </a:solidFill>
@@ -7581,7 +7573,7 @@
               <a:t> se </a:t>
             </a:r>
             <a:r>
-              <a:rPr lang="en-US" sz="2000" kern="1200" spc="-1" err="1">
+              <a:rPr lang="en-US" sz="2000" kern="1200" spc="-1" dirty="0" err="1">
                 <a:solidFill>
                   <a:srgbClr val="000000"/>
                 </a:solidFill>
@@ -7603,7 +7595,7 @@
               <a:t> </a:t>
             </a:r>
             <a:r>
-              <a:rPr lang="en-US" sz="2000" kern="1200" spc="-1" err="1">
+              <a:rPr lang="en-US" sz="2000" kern="1200" spc="-1" dirty="0" err="1">
                 <a:solidFill>
                   <a:srgbClr val="000000"/>
                 </a:solidFill>
@@ -7625,7 +7617,7 @@
               <a:t> MQTT </a:t>
             </a:r>
             <a:r>
-              <a:rPr lang="en-US" sz="2000" kern="1200" spc="-1" err="1">
+              <a:rPr lang="en-US" sz="2000" kern="1200" spc="-1" dirty="0" err="1">
                 <a:solidFill>
                   <a:srgbClr val="000000"/>
                 </a:solidFill>
@@ -7647,7 +7639,7 @@
               <a:t>. </a:t>
             </a:r>
             <a:r>
-              <a:rPr lang="en-US" sz="2000" kern="1200" spc="-1" err="1">
+              <a:rPr lang="en-US" sz="2000" kern="1200" spc="-1" dirty="0" err="1">
                 <a:solidFill>
                   <a:srgbClr val="000000"/>
                 </a:solidFill>
@@ -7669,7 +7661,7 @@
               <a:t> </a:t>
             </a:r>
             <a:r>
-              <a:rPr lang="en-US" sz="2000" kern="1200" spc="-1" err="1">
+              <a:rPr lang="en-US" sz="2000" kern="1200" spc="-1" dirty="0" err="1">
                 <a:solidFill>
                   <a:srgbClr val="000000"/>
                 </a:solidFill>
@@ -7691,7 +7683,7 @@
               <a:t> se </a:t>
             </a:r>
             <a:r>
-              <a:rPr lang="en-US" sz="2000" kern="1200" spc="-1" err="1">
+              <a:rPr lang="en-US" sz="2000" kern="1200" spc="-1" dirty="0" err="1">
                 <a:solidFill>
                   <a:srgbClr val="000000"/>
                 </a:solidFill>
@@ -7713,7 +7705,7 @@
               <a:t> </a:t>
             </a:r>
             <a:r>
-              <a:rPr lang="en-US" sz="2000" kern="1200" spc="-1" err="1">
+              <a:rPr lang="en-US" sz="2000" kern="1200" spc="-1" dirty="0" err="1">
                 <a:solidFill>
                   <a:srgbClr val="000000"/>
                 </a:solidFill>
@@ -7735,7 +7727,7 @@
               <a:t> </a:t>
             </a:r>
             <a:r>
-              <a:rPr lang="en-US" sz="2000" kern="1200" spc="-1" err="1">
+              <a:rPr lang="en-US" sz="2000" kern="1200" spc="-1" dirty="0" err="1">
                 <a:solidFill>
                   <a:srgbClr val="000000"/>
                 </a:solidFill>
@@ -7757,7 +7749,7 @@
               <a:t> </a:t>
             </a:r>
             <a:r>
-              <a:rPr lang="en-US" sz="2000" kern="1200" spc="-1" err="1">
+              <a:rPr lang="en-US" sz="2000" kern="1200" spc="-1" dirty="0" err="1">
                 <a:solidFill>
                   <a:srgbClr val="000000"/>
                 </a:solidFill>
@@ -7779,7 +7771,7 @@
               <a:t> pada </a:t>
             </a:r>
             <a:r>
-              <a:rPr lang="en-US" sz="2000" kern="1200" spc="-1" err="1">
+              <a:rPr lang="en-US" sz="2000" kern="1200" spc="-1" dirty="0" err="1">
                 <a:solidFill>
                   <a:srgbClr val="000000"/>
                 </a:solidFill>
@@ -7801,7 +7793,7 @@
               <a:t> </a:t>
             </a:r>
             <a:r>
-              <a:rPr lang="en-US" sz="2000" kern="1200" spc="-1" err="1">
+              <a:rPr lang="en-US" sz="2000" kern="1200" spc="-1" dirty="0" err="1">
                 <a:solidFill>
                   <a:srgbClr val="000000"/>
                 </a:solidFill>
@@ -7823,7 +7815,7 @@
               <a:t> </a:t>
             </a:r>
             <a:r>
-              <a:rPr lang="en-US" sz="2000" kern="1200" spc="-1" err="1">
+              <a:rPr lang="en-US" sz="2000" kern="1200" spc="-1" dirty="0" err="1">
                 <a:solidFill>
                   <a:srgbClr val="000000"/>
                 </a:solidFill>
@@ -7845,7 +7837,7 @@
               <a:t> </a:t>
             </a:r>
             <a:r>
-              <a:rPr lang="en-US" sz="2000" kern="1200" spc="-1" err="1">
+              <a:rPr lang="en-US" sz="2000" kern="1200" spc="-1" dirty="0" err="1">
                 <a:solidFill>
                   <a:srgbClr val="000000"/>
                 </a:solidFill>
@@ -7867,7 +7859,7 @@
               <a:t> </a:t>
             </a:r>
             <a:r>
-              <a:rPr lang="en-US" sz="2000" kern="1200" spc="-1" err="1">
+              <a:rPr lang="en-US" sz="2000" kern="1200" spc="-1" dirty="0" err="1" smtClean="0">
                 <a:solidFill>
                   <a:srgbClr val="000000"/>
                 </a:solidFill>
@@ -7877,7 +7869,18 @@
               </a:rPr>
               <a:t>dugme</a:t>
             </a:r>
-            <a:endParaRPr lang="en-US" sz="2000" b="0" strike="noStrike" spc="-1">
+            <a:r>
+              <a:rPr lang="sr-Latn-RS" sz="2000" kern="1200" spc="-1" dirty="0" smtClean="0">
+                <a:solidFill>
+                  <a:srgbClr val="000000"/>
+                </a:solidFill>
+                <a:latin typeface="Bierstadt"/>
+                <a:ea typeface="+mn-ea"/>
+                <a:cs typeface="+mn-cs"/>
+              </a:rPr>
+              <a:t>.</a:t>
+            </a:r>
+            <a:endParaRPr lang="en-US" sz="2000" b="0" strike="noStrike" spc="-1" dirty="0">
               <a:solidFill>
                 <a:srgbClr val="000000"/>
               </a:solidFill>
@@ -7992,62 +7995,68 @@
       </p:sp>
       <p:pic>
         <p:nvPicPr>
-          <p:cNvPr id="8" name="Picture 7" descr="A white box with red button&#10;&#10;Description automatically generated">
-            <a:extLst>
-              <a:ext uri="{FF2B5EF4-FFF2-40B4-BE49-F238E27FC236}">
-                <a16:creationId xmlns:a16="http://schemas.microsoft.com/office/drawing/2014/main" xmlns="" id="{9BFE0714-D0CE-8F52-CF41-C22EE628E50D}"/>
-              </a:ext>
-            </a:extLst>
-          </p:cNvPr>
+          <p:cNvPr id="1026" name="Picture 2"/>
           <p:cNvPicPr>
-            <a:picLocks noChangeAspect="1"/>
+            <a:picLocks noChangeAspect="1" noChangeArrowheads="1"/>
           </p:cNvPicPr>
           <p:nvPr/>
         </p:nvPicPr>
         <p:blipFill>
           <a:blip r:embed="rId2" cstate="print"/>
+          <a:srcRect/>
           <a:stretch>
             <a:fillRect/>
           </a:stretch>
         </p:blipFill>
-        <p:spPr>
-          <a:xfrm>
-            <a:off x="8696910" y="1726993"/>
-            <a:ext cx="2389938" cy="3553039"/>
-          </a:xfrm>
-          <a:prstGeom prst="rect">
-            <a:avLst/>
-          </a:prstGeom>
+        <p:spPr bwMode="auto">
+          <a:xfrm>
+            <a:off x="6248400" y="2362200"/>
+            <a:ext cx="2728788" cy="2929174"/>
+          </a:xfrm>
+          <a:prstGeom prst="rect">
+            <a:avLst/>
+          </a:prstGeom>
+          <a:noFill/>
+          <a:ln w="9525">
+            <a:noFill/>
+            <a:miter lim="800000"/>
+            <a:headEnd/>
+            <a:tailEnd/>
+          </a:ln>
+          <a:effectLst/>
         </p:spPr>
       </p:pic>
       <p:pic>
         <p:nvPicPr>
-          <p:cNvPr id="9" name="Picture 8" descr="A white box with wires on it&#10;&#10;Description automatically generated">
-            <a:extLst>
-              <a:ext uri="{FF2B5EF4-FFF2-40B4-BE49-F238E27FC236}">
-                <a16:creationId xmlns:a16="http://schemas.microsoft.com/office/drawing/2014/main" xmlns="" id="{C3102A49-6CE6-87AC-CB10-074D3114D7BE}"/>
-              </a:ext>
-            </a:extLst>
-          </p:cNvPr>
+          <p:cNvPr id="1027" name="Picture 3"/>
           <p:cNvPicPr>
-            <a:picLocks noChangeAspect="1"/>
+            <a:picLocks noChangeAspect="1" noChangeArrowheads="1"/>
           </p:cNvPicPr>
           <p:nvPr/>
         </p:nvPicPr>
         <p:blipFill>
           <a:blip r:embed="rId3" cstate="print"/>
+          <a:srcRect/>
           <a:stretch>
             <a:fillRect/>
           </a:stretch>
         </p:blipFill>
-        <p:spPr>
-          <a:xfrm>
-            <a:off x="6261313" y="1722555"/>
-            <a:ext cx="2401760" cy="3566347"/>
-          </a:xfrm>
-          <a:prstGeom prst="rect">
-            <a:avLst/>
-          </a:prstGeom>
+        <p:spPr bwMode="auto">
+          <a:xfrm>
+            <a:off x="9067800" y="2362200"/>
+            <a:ext cx="2209800" cy="2902702"/>
+          </a:xfrm>
+          <a:prstGeom prst="rect">
+            <a:avLst/>
+          </a:prstGeom>
+          <a:noFill/>
+          <a:ln w="9525">
+            <a:noFill/>
+            <a:miter lim="800000"/>
+            <a:headEnd/>
+            <a:tailEnd/>
+          </a:ln>
+          <a:effectLst/>
         </p:spPr>
       </p:pic>
     </p:spTree>
@@ -8055,13 +8064,6 @@
   <p:clrMapOvr>
     <a:masterClrMapping/>
   </p:clrMapOvr>
-  <p:timing>
-    <p:tnLst>
-      <p:par>
-        <p:cTn id="1" dur="indefinite" restart="never" nodeType="tmRoot"/>
-      </p:par>
-    </p:tnLst>
-  </p:timing>
 </p:sld>
 </file>
 
